--- a/Presentation/Template_en_Dell.pptx
+++ b/Presentation/Template_en_Dell.pptx
@@ -1190,6 +1190,13 @@
         </dgm:presLayoutVars>
       </dgm:prSet>
       <dgm:spPr/>
+      <dgm:t>
+        <a:bodyPr/>
+        <a:lstStyle/>
+        <a:p>
+          <a:endParaRPr lang="en-US"/>
+        </a:p>
+      </dgm:t>
     </dgm:pt>
     <dgm:pt modelId="{F9012409-0045-4D90-9D5E-19B2144C73B6}" type="pres">
       <dgm:prSet presAssocID="{7E01B97E-6309-452C-81AD-35FDCA32BBD3}" presName="thickLine" presStyleLbl="alignNode1" presStyleIdx="0" presStyleCnt="5"/>
@@ -1202,6 +1209,13 @@
     <dgm:pt modelId="{A11B702A-B998-466A-8316-0B9A8CE2ABE9}" type="pres">
       <dgm:prSet presAssocID="{7E01B97E-6309-452C-81AD-35FDCA32BBD3}" presName="tx1" presStyleLbl="revTx" presStyleIdx="0" presStyleCnt="5"/>
       <dgm:spPr/>
+      <dgm:t>
+        <a:bodyPr/>
+        <a:lstStyle/>
+        <a:p>
+          <a:endParaRPr lang="en-US"/>
+        </a:p>
+      </dgm:t>
     </dgm:pt>
     <dgm:pt modelId="{1D5C7E28-894C-4D10-9F9D-6EB3FC867D45}" type="pres">
       <dgm:prSet presAssocID="{7E01B97E-6309-452C-81AD-35FDCA32BBD3}" presName="vert1" presStyleCnt="0"/>
@@ -1218,6 +1232,13 @@
     <dgm:pt modelId="{9C636B05-2978-4C57-B86F-86860E97ABEB}" type="pres">
       <dgm:prSet presAssocID="{572DD9AF-49C2-44DF-896B-1B92DDC79F3B}" presName="tx1" presStyleLbl="revTx" presStyleIdx="1" presStyleCnt="5"/>
       <dgm:spPr/>
+      <dgm:t>
+        <a:bodyPr/>
+        <a:lstStyle/>
+        <a:p>
+          <a:endParaRPr lang="en-US"/>
+        </a:p>
+      </dgm:t>
     </dgm:pt>
     <dgm:pt modelId="{815DE970-9CFC-4C5E-A90D-5498105FF8B6}" type="pres">
       <dgm:prSet presAssocID="{572DD9AF-49C2-44DF-896B-1B92DDC79F3B}" presName="vert1" presStyleCnt="0"/>
@@ -1234,6 +1255,13 @@
     <dgm:pt modelId="{7BAE85F1-9B0C-496E-BDE2-546103DD29BE}" type="pres">
       <dgm:prSet presAssocID="{E4F87AE9-801B-4C7B-A992-BA95F3AC86AD}" presName="tx1" presStyleLbl="revTx" presStyleIdx="2" presStyleCnt="5"/>
       <dgm:spPr/>
+      <dgm:t>
+        <a:bodyPr/>
+        <a:lstStyle/>
+        <a:p>
+          <a:endParaRPr lang="en-US"/>
+        </a:p>
+      </dgm:t>
     </dgm:pt>
     <dgm:pt modelId="{B5285719-636E-4E51-9305-CE21240BF419}" type="pres">
       <dgm:prSet presAssocID="{E4F87AE9-801B-4C7B-A992-BA95F3AC86AD}" presName="vert1" presStyleCnt="0"/>
@@ -1250,6 +1278,13 @@
     <dgm:pt modelId="{F0E61545-9C4A-4B98-833C-B846C57D7F57}" type="pres">
       <dgm:prSet presAssocID="{18292AF9-7698-44D6-9999-426A7997C077}" presName="tx1" presStyleLbl="revTx" presStyleIdx="3" presStyleCnt="5"/>
       <dgm:spPr/>
+      <dgm:t>
+        <a:bodyPr/>
+        <a:lstStyle/>
+        <a:p>
+          <a:endParaRPr lang="en-US"/>
+        </a:p>
+      </dgm:t>
     </dgm:pt>
     <dgm:pt modelId="{860A9F96-4AD8-48F0-B851-74C031A810A7}" type="pres">
       <dgm:prSet presAssocID="{18292AF9-7698-44D6-9999-426A7997C077}" presName="vert1" presStyleCnt="0"/>
@@ -1266,6 +1301,13 @@
     <dgm:pt modelId="{291C1D12-716D-4045-93E8-03E55B572484}" type="pres">
       <dgm:prSet presAssocID="{2EE09783-F72E-4C5A-9FFA-16A908F8997A}" presName="tx1" presStyleLbl="revTx" presStyleIdx="4" presStyleCnt="5"/>
       <dgm:spPr/>
+      <dgm:t>
+        <a:bodyPr/>
+        <a:lstStyle/>
+        <a:p>
+          <a:endParaRPr lang="en-US"/>
+        </a:p>
+      </dgm:t>
     </dgm:pt>
     <dgm:pt modelId="{881A6084-5449-477B-A5D9-22B744A05714}" type="pres">
       <dgm:prSet presAssocID="{2EE09783-F72E-4C5A-9FFA-16A908F8997A}" presName="vert1" presStyleCnt="0"/>
@@ -1273,17 +1315,17 @@
     </dgm:pt>
   </dgm:ptLst>
   <dgm:cxnLst>
-    <dgm:cxn modelId="{3A571C0B-89CE-41EB-A6DF-54204927F818}" srcId="{E246AB3B-087E-4EC8-B835-62C529BDBF44}" destId="{2EE09783-F72E-4C5A-9FFA-16A908F8997A}" srcOrd="4" destOrd="0" parTransId="{DB5DA657-5162-483B-99B5-1AE1E2D20986}" sibTransId="{5C0FEB99-69AB-4529-AB30-7EDAE1499B3D}"/>
+    <dgm:cxn modelId="{12D91DED-CC01-4897-98E6-64B4695F5924}" srcId="{E246AB3B-087E-4EC8-B835-62C529BDBF44}" destId="{18292AF9-7698-44D6-9999-426A7997C077}" srcOrd="3" destOrd="0" parTransId="{493EB3FC-1926-477F-80B6-D99C631E34E9}" sibTransId="{9F9180C3-4077-4B88-A6E9-F6647D2C7E82}"/>
     <dgm:cxn modelId="{19E5290C-F9C5-4506-BB07-C60BE0A72593}" srcId="{E246AB3B-087E-4EC8-B835-62C529BDBF44}" destId="{572DD9AF-49C2-44DF-896B-1B92DDC79F3B}" srcOrd="1" destOrd="0" parTransId="{8186FF25-A2A4-4271-9AED-7CD12796A46D}" sibTransId="{1E4E7C24-A008-43A1-9F1D-F1A4EE428331}"/>
     <dgm:cxn modelId="{44D7DA28-A2C0-408A-9589-3AC685F9244B}" type="presOf" srcId="{E4F87AE9-801B-4C7B-A992-BA95F3AC86AD}" destId="{7BAE85F1-9B0C-496E-BDE2-546103DD29BE}" srcOrd="0" destOrd="0" presId="urn:microsoft.com/office/officeart/2008/layout/LinedList"/>
+    <dgm:cxn modelId="{F72128A9-9B71-4B6C-BD05-08DDD90D7CF1}" type="presOf" srcId="{2EE09783-F72E-4C5A-9FFA-16A908F8997A}" destId="{291C1D12-716D-4045-93E8-03E55B572484}" srcOrd="0" destOrd="0" presId="urn:microsoft.com/office/officeart/2008/layout/LinedList"/>
+    <dgm:cxn modelId="{3A571C0B-89CE-41EB-A6DF-54204927F818}" srcId="{E246AB3B-087E-4EC8-B835-62C529BDBF44}" destId="{2EE09783-F72E-4C5A-9FFA-16A908F8997A}" srcOrd="4" destOrd="0" parTransId="{DB5DA657-5162-483B-99B5-1AE1E2D20986}" sibTransId="{5C0FEB99-69AB-4529-AB30-7EDAE1499B3D}"/>
+    <dgm:cxn modelId="{AB966277-B55C-4C77-BC95-94F7AEA2124A}" srcId="{E246AB3B-087E-4EC8-B835-62C529BDBF44}" destId="{7E01B97E-6309-452C-81AD-35FDCA32BBD3}" srcOrd="0" destOrd="0" parTransId="{4758A2A6-0734-4EAE-84D6-E342603629DF}" sibTransId="{EBB8F7CD-E6DD-44E9-93F2-8AE8BC9AC0C4}"/>
     <dgm:cxn modelId="{962FEF2E-50A1-49CA-8554-28CCBFB4DE59}" srcId="{E246AB3B-087E-4EC8-B835-62C529BDBF44}" destId="{E4F87AE9-801B-4C7B-A992-BA95F3AC86AD}" srcOrd="2" destOrd="0" parTransId="{A44BC195-F15A-459A-96FD-541C9634821C}" sibTransId="{C835A6C7-F6C7-41C8-BEA9-BCF0FCC69302}"/>
-    <dgm:cxn modelId="{AB966277-B55C-4C77-BC95-94F7AEA2124A}" srcId="{E246AB3B-087E-4EC8-B835-62C529BDBF44}" destId="{7E01B97E-6309-452C-81AD-35FDCA32BBD3}" srcOrd="0" destOrd="0" parTransId="{4758A2A6-0734-4EAE-84D6-E342603629DF}" sibTransId="{EBB8F7CD-E6DD-44E9-93F2-8AE8BC9AC0C4}"/>
-    <dgm:cxn modelId="{F72128A9-9B71-4B6C-BD05-08DDD90D7CF1}" type="presOf" srcId="{2EE09783-F72E-4C5A-9FFA-16A908F8997A}" destId="{291C1D12-716D-4045-93E8-03E55B572484}" srcOrd="0" destOrd="0" presId="urn:microsoft.com/office/officeart/2008/layout/LinedList"/>
+    <dgm:cxn modelId="{4CDDBDFD-2C97-4D91-86D2-0C3CE8C80526}" type="presOf" srcId="{E246AB3B-087E-4EC8-B835-62C529BDBF44}" destId="{855D71A2-6BBC-4F68-B36C-ECFD406002D1}" srcOrd="0" destOrd="0" presId="urn:microsoft.com/office/officeart/2008/layout/LinedList"/>
     <dgm:cxn modelId="{3DC649AC-56B6-4823-987C-8B114DC39C0E}" type="presOf" srcId="{572DD9AF-49C2-44DF-896B-1B92DDC79F3B}" destId="{9C636B05-2978-4C57-B86F-86860E97ABEB}" srcOrd="0" destOrd="0" presId="urn:microsoft.com/office/officeart/2008/layout/LinedList"/>
+    <dgm:cxn modelId="{2E1B35DF-03FE-4FDE-8A33-6F4B288B1D31}" type="presOf" srcId="{7E01B97E-6309-452C-81AD-35FDCA32BBD3}" destId="{A11B702A-B998-466A-8316-0B9A8CE2ABE9}" srcOrd="0" destOrd="0" presId="urn:microsoft.com/office/officeart/2008/layout/LinedList"/>
     <dgm:cxn modelId="{DD5430BE-4F46-45E4-958D-A1805F3308EB}" type="presOf" srcId="{18292AF9-7698-44D6-9999-426A7997C077}" destId="{F0E61545-9C4A-4B98-833C-B846C57D7F57}" srcOrd="0" destOrd="0" presId="urn:microsoft.com/office/officeart/2008/layout/LinedList"/>
-    <dgm:cxn modelId="{2E1B35DF-03FE-4FDE-8A33-6F4B288B1D31}" type="presOf" srcId="{7E01B97E-6309-452C-81AD-35FDCA32BBD3}" destId="{A11B702A-B998-466A-8316-0B9A8CE2ABE9}" srcOrd="0" destOrd="0" presId="urn:microsoft.com/office/officeart/2008/layout/LinedList"/>
-    <dgm:cxn modelId="{12D91DED-CC01-4897-98E6-64B4695F5924}" srcId="{E246AB3B-087E-4EC8-B835-62C529BDBF44}" destId="{18292AF9-7698-44D6-9999-426A7997C077}" srcOrd="3" destOrd="0" parTransId="{493EB3FC-1926-477F-80B6-D99C631E34E9}" sibTransId="{9F9180C3-4077-4B88-A6E9-F6647D2C7E82}"/>
-    <dgm:cxn modelId="{4CDDBDFD-2C97-4D91-86D2-0C3CE8C80526}" type="presOf" srcId="{E246AB3B-087E-4EC8-B835-62C529BDBF44}" destId="{855D71A2-6BBC-4F68-B36C-ECFD406002D1}" srcOrd="0" destOrd="0" presId="urn:microsoft.com/office/officeart/2008/layout/LinedList"/>
     <dgm:cxn modelId="{2BE53F74-7421-45B9-BF7F-49D7ED394EFC}" type="presParOf" srcId="{855D71A2-6BBC-4F68-B36C-ECFD406002D1}" destId="{F9012409-0045-4D90-9D5E-19B2144C73B6}" srcOrd="0" destOrd="0" presId="urn:microsoft.com/office/officeart/2008/layout/LinedList"/>
     <dgm:cxn modelId="{E892C5A5-168A-4286-A2F0-F072436D76DA}" type="presParOf" srcId="{855D71A2-6BBC-4F68-B36C-ECFD406002D1}" destId="{703C3410-52E3-42E6-9F31-C9F8E0790B20}" srcOrd="1" destOrd="0" presId="urn:microsoft.com/office/officeart/2008/layout/LinedList"/>
     <dgm:cxn modelId="{1A8FCCA1-FA36-422B-B62A-3E6EAD83B50B}" type="presParOf" srcId="{703C3410-52E3-42E6-9F31-C9F8E0790B20}" destId="{A11B702A-B998-466A-8316-0B9A8CE2ABE9}" srcOrd="0" destOrd="0" presId="urn:microsoft.com/office/officeart/2008/layout/LinedList"/>
@@ -1410,7 +1452,7 @@
         </a:bodyPr>
         <a:lstStyle/>
         <a:p>
-          <a:pPr marL="0" lvl="0" indent="0" algn="l" defTabSz="1377950">
+          <a:pPr lvl="0" algn="l" defTabSz="1377950">
             <a:lnSpc>
               <a:spcPct val="90000"/>
             </a:lnSpc>
@@ -1420,7 +1462,6 @@
             <a:spcAft>
               <a:spcPct val="35000"/>
             </a:spcAft>
-            <a:buNone/>
           </a:pPr>
           <a:r>
             <a:rPr lang="pt-BR" sz="3100" b="1" kern="1200" dirty="0"/>
@@ -1537,7 +1578,7 @@
         </a:bodyPr>
         <a:lstStyle/>
         <a:p>
-          <a:pPr marL="0" lvl="0" indent="0" algn="l" defTabSz="1377950">
+          <a:pPr lvl="0" algn="l" defTabSz="1377950">
             <a:lnSpc>
               <a:spcPct val="90000"/>
             </a:lnSpc>
@@ -1547,7 +1588,6 @@
             <a:spcAft>
               <a:spcPct val="35000"/>
             </a:spcAft>
-            <a:buNone/>
           </a:pPr>
           <a:r>
             <a:rPr lang="pt-BR" sz="3100" b="1" kern="1200" dirty="0"/>
@@ -1664,7 +1704,7 @@
         </a:bodyPr>
         <a:lstStyle/>
         <a:p>
-          <a:pPr marL="0" lvl="0" indent="0" algn="l" defTabSz="1377950">
+          <a:pPr lvl="0" algn="l" defTabSz="1377950">
             <a:lnSpc>
               <a:spcPct val="90000"/>
             </a:lnSpc>
@@ -1674,7 +1714,6 @@
             <a:spcAft>
               <a:spcPct val="35000"/>
             </a:spcAft>
-            <a:buNone/>
           </a:pPr>
           <a:r>
             <a:rPr lang="pt-BR" sz="3100" b="1" kern="1200" dirty="0"/>
@@ -1799,7 +1838,7 @@
         </a:bodyPr>
         <a:lstStyle/>
         <a:p>
-          <a:pPr marL="0" lvl="0" indent="0" algn="l" defTabSz="1377950">
+          <a:pPr lvl="0" algn="l" defTabSz="1377950">
             <a:lnSpc>
               <a:spcPct val="90000"/>
             </a:lnSpc>
@@ -1809,7 +1848,6 @@
             <a:spcAft>
               <a:spcPct val="35000"/>
             </a:spcAft>
-            <a:buNone/>
           </a:pPr>
           <a:r>
             <a:rPr lang="pt-BR" sz="3100" b="1" kern="1200" dirty="0"/>
@@ -1926,7 +1964,7 @@
         </a:bodyPr>
         <a:lstStyle/>
         <a:p>
-          <a:pPr marL="0" lvl="0" indent="0" algn="l" defTabSz="1377950">
+          <a:pPr lvl="0" algn="l" defTabSz="1377950">
             <a:lnSpc>
               <a:spcPct val="90000"/>
             </a:lnSpc>
@@ -1936,7 +1974,6 @@
             <a:spcAft>
               <a:spcPct val="35000"/>
             </a:spcAft>
-            <a:buNone/>
           </a:pPr>
           <a:r>
             <a:rPr lang="pt-BR" sz="3100" b="1" kern="1200" dirty="0"/>
@@ -6331,7 +6368,7 @@
                   <a:schemeClr val="bg1"/>
                 </a:buClr>
               </a:pPr>
-              <a:t>‹nº›</a:t>
+              <a:t>‹#›</a:t>
             </a:fld>
             <a:endParaRPr lang="en-US" sz="500" b="0" kern="1200" dirty="0" err="1">
               <a:solidFill>
@@ -7346,7 +7383,7 @@
                 <a:hlinkClick r:id="rId2">
                   <a:extLst>
                     <a:ext uri="{A12FA001-AC4F-418D-AE19-62706E023703}">
-                      <ahyp:hlinkClr xmlns:ahyp="http://schemas.microsoft.com/office/drawing/2018/hyperlinkcolor" val="tx"/>
+                      <ahyp:hlinkClr xmlns:ahyp="http://schemas.microsoft.com/office/drawing/2018/hyperlinkcolor" xmlns="" val="tx"/>
                     </a:ext>
                   </a:extLst>
                 </a:hlinkClick>
@@ -7372,7 +7409,7 @@
                 <a:hlinkClick r:id="rId3">
                   <a:extLst>
                     <a:ext uri="{A12FA001-AC4F-418D-AE19-62706E023703}">
-                      <ahyp:hlinkClr xmlns:ahyp="http://schemas.microsoft.com/office/drawing/2018/hyperlinkcolor" val="tx"/>
+                      <ahyp:hlinkClr xmlns:ahyp="http://schemas.microsoft.com/office/drawing/2018/hyperlinkcolor" xmlns="" val="tx"/>
                     </a:ext>
                   </a:extLst>
                 </a:hlinkClick>
@@ -7398,7 +7435,7 @@
                 <a:hlinkClick r:id="rId4">
                   <a:extLst>
                     <a:ext uri="{A12FA001-AC4F-418D-AE19-62706E023703}">
-                      <ahyp:hlinkClr xmlns:ahyp="http://schemas.microsoft.com/office/drawing/2018/hyperlinkcolor" val="tx"/>
+                      <ahyp:hlinkClr xmlns:ahyp="http://schemas.microsoft.com/office/drawing/2018/hyperlinkcolor" xmlns="" val="tx"/>
                     </a:ext>
                   </a:extLst>
                 </a:hlinkClick>
@@ -9262,7 +9299,7 @@
                 <a:hlinkClick r:id="rId2">
                   <a:extLst>
                     <a:ext uri="{A12FA001-AC4F-418D-AE19-62706E023703}">
-                      <ahyp:hlinkClr xmlns:ahyp="http://schemas.microsoft.com/office/drawing/2018/hyperlinkcolor" val="tx"/>
+                      <ahyp:hlinkClr xmlns:ahyp="http://schemas.microsoft.com/office/drawing/2018/hyperlinkcolor" xmlns="" val="tx"/>
                     </a:ext>
                   </a:extLst>
                 </a:hlinkClick>
@@ -10311,14 +10348,15 @@
             <a:r>
               <a:rPr lang="pt-BR" sz="1700" dirty="0">
                 <a:solidFill>
-                  <a:schemeClr val="tx2">
-                    <a:lumMod val="75000"/>
+                  <a:schemeClr val="accent5">
+                    <a:lumMod val="60000"/>
+                    <a:lumOff val="40000"/>
                   </a:schemeClr>
                 </a:solidFill>
                 <a:hlinkClick r:id="rId2">
                   <a:extLst>
                     <a:ext uri="{A12FA001-AC4F-418D-AE19-62706E023703}">
-                      <ahyp:hlinkClr xmlns:ahyp="http://schemas.microsoft.com/office/drawing/2018/hyperlinkcolor" val="tx"/>
+                      <ahyp:hlinkClr xmlns:ahyp="http://schemas.microsoft.com/office/drawing/2018/hyperlinkcolor" xmlns="" val="tx"/>
                     </a:ext>
                   </a:extLst>
                 </a:hlinkClick>
@@ -10327,8 +10365,9 @@
             </a:r>
             <a:endParaRPr lang="pt-BR" sz="1700" dirty="0">
               <a:solidFill>
-                <a:schemeClr val="tx2">
-                  <a:lumMod val="75000"/>
+                <a:schemeClr val="accent5">
+                  <a:lumMod val="60000"/>
+                  <a:lumOff val="40000"/>
                 </a:schemeClr>
               </a:solidFill>
             </a:endParaRPr>
@@ -10346,14 +10385,15 @@
             <a:r>
               <a:rPr lang="pt-BR" sz="1700" dirty="0">
                 <a:solidFill>
-                  <a:schemeClr val="tx2">
-                    <a:lumMod val="75000"/>
+                  <a:schemeClr val="accent5">
+                    <a:lumMod val="60000"/>
+                    <a:lumOff val="40000"/>
                   </a:schemeClr>
                 </a:solidFill>
                 <a:hlinkClick r:id="rId3">
                   <a:extLst>
                     <a:ext uri="{A12FA001-AC4F-418D-AE19-62706E023703}">
-                      <ahyp:hlinkClr xmlns:ahyp="http://schemas.microsoft.com/office/drawing/2018/hyperlinkcolor" val="tx"/>
+                      <ahyp:hlinkClr xmlns:ahyp="http://schemas.microsoft.com/office/drawing/2018/hyperlinkcolor" xmlns="" val="tx"/>
                     </a:ext>
                   </a:extLst>
                 </a:hlinkClick>
@@ -10362,8 +10402,9 @@
             </a:r>
             <a:endParaRPr lang="pt-BR" sz="1700" dirty="0">
               <a:solidFill>
-                <a:schemeClr val="tx2">
-                  <a:lumMod val="75000"/>
+                <a:schemeClr val="accent5">
+                  <a:lumMod val="60000"/>
+                  <a:lumOff val="40000"/>
                 </a:schemeClr>
               </a:solidFill>
             </a:endParaRPr>
@@ -10381,14 +10422,15 @@
             <a:r>
               <a:rPr lang="pt-BR" sz="1700" dirty="0">
                 <a:solidFill>
-                  <a:schemeClr val="tx2">
-                    <a:lumMod val="75000"/>
+                  <a:schemeClr val="accent5">
+                    <a:lumMod val="60000"/>
+                    <a:lumOff val="40000"/>
                   </a:schemeClr>
                 </a:solidFill>
                 <a:hlinkClick r:id="rId4">
                   <a:extLst>
                     <a:ext uri="{A12FA001-AC4F-418D-AE19-62706E023703}">
-                      <ahyp:hlinkClr xmlns:ahyp="http://schemas.microsoft.com/office/drawing/2018/hyperlinkcolor" val="tx"/>
+                      <ahyp:hlinkClr xmlns:ahyp="http://schemas.microsoft.com/office/drawing/2018/hyperlinkcolor" xmlns="" val="tx"/>
                     </a:ext>
                   </a:extLst>
                 </a:hlinkClick>
@@ -10397,8 +10439,9 @@
             </a:r>
             <a:endParaRPr lang="pt-BR" sz="1700" dirty="0">
               <a:solidFill>
-                <a:schemeClr val="tx2">
-                  <a:lumMod val="75000"/>
+                <a:schemeClr val="accent5">
+                  <a:lumMod val="60000"/>
+                  <a:lumOff val="40000"/>
                 </a:schemeClr>
               </a:solidFill>
             </a:endParaRPr>
